--- a/deliverables/763 Final Project Presentation.pptx
+++ b/deliverables/763 Final Project Presentation.pptx
@@ -26,16 +26,17 @@
     <p:sldId id="271" r:id="rId21"/>
     <p:sldId id="272" r:id="rId22"/>
     <p:sldId id="273" r:id="rId23"/>
+    <p:sldId id="274" r:id="rId24"/>
   </p:sldIdLst>
   <p:sldSz cy="5143500" cx="9144000"/>
   <p:notesSz cx="6858000" cy="9144000"/>
   <p:embeddedFontLst>
     <p:embeddedFont>
       <p:font typeface="Nunito"/>
-      <p:regular r:id="rId24"/>
-      <p:bold r:id="rId25"/>
-      <p:italic r:id="rId26"/>
-      <p:boldItalic r:id="rId27"/>
+      <p:regular r:id="rId25"/>
+      <p:bold r:id="rId26"/>
+      <p:italic r:id="rId27"/>
+      <p:boldItalic r:id="rId28"/>
     </p:embeddedFont>
   </p:embeddedFontLst>
   <p:defaultTextStyle>
@@ -828,7 +829,7 @@
       </p:grpSpPr>
       <p:sp>
         <p:nvSpPr>
-          <p:cNvPr id="185" name="Google Shape;185;g571a6d01b5_0_42:notes"/>
+          <p:cNvPr id="185" name="Google Shape;185;g59d6bdf95b_7_2:notes"/>
           <p:cNvSpPr/>
           <p:nvPr>
             <p:ph idx="2" type="sldImg"/>
@@ -863,7 +864,7 @@
       </p:sp>
       <p:sp>
         <p:nvSpPr>
-          <p:cNvPr id="186" name="Google Shape;186;g571a6d01b5_0_42:notes"/>
+          <p:cNvPr id="186" name="Google Shape;186;g59d6bdf95b_7_2:notes"/>
           <p:cNvSpPr txBox="1"/>
           <p:nvPr>
             <p:ph idx="1" type="body"/>
@@ -927,7 +928,7 @@
       </p:grpSpPr>
       <p:sp>
         <p:nvSpPr>
-          <p:cNvPr id="191" name="Google Shape;191;g571a6d01b5_0_22:notes"/>
+          <p:cNvPr id="191" name="Google Shape;191;g571a6d01b5_0_42:notes"/>
           <p:cNvSpPr/>
           <p:nvPr>
             <p:ph idx="2" type="sldImg"/>
@@ -962,7 +963,7 @@
       </p:sp>
       <p:sp>
         <p:nvSpPr>
-          <p:cNvPr id="192" name="Google Shape;192;g571a6d01b5_0_22:notes"/>
+          <p:cNvPr id="192" name="Google Shape;192;g571a6d01b5_0_42:notes"/>
           <p:cNvSpPr txBox="1"/>
           <p:nvPr>
             <p:ph idx="1" type="body"/>
@@ -1026,7 +1027,7 @@
       </p:grpSpPr>
       <p:sp>
         <p:nvSpPr>
-          <p:cNvPr id="197" name="Google Shape;197;g59d6bdf95b_3_5:notes"/>
+          <p:cNvPr id="197" name="Google Shape;197;g571a6d01b5_0_22:notes"/>
           <p:cNvSpPr/>
           <p:nvPr>
             <p:ph idx="2" type="sldImg"/>
@@ -1061,7 +1062,7 @@
       </p:sp>
       <p:sp>
         <p:nvSpPr>
-          <p:cNvPr id="198" name="Google Shape;198;g59d6bdf95b_3_5:notes"/>
+          <p:cNvPr id="198" name="Google Shape;198;g571a6d01b5_0_22:notes"/>
           <p:cNvSpPr txBox="1"/>
           <p:nvPr>
             <p:ph idx="1" type="body"/>
@@ -1125,7 +1126,7 @@
       </p:grpSpPr>
       <p:sp>
         <p:nvSpPr>
-          <p:cNvPr id="203" name="Google Shape;203;g59d6bdf95b_3_11:notes"/>
+          <p:cNvPr id="203" name="Google Shape;203;g59d6bdf95b_3_5:notes"/>
           <p:cNvSpPr/>
           <p:nvPr>
             <p:ph idx="2" type="sldImg"/>
@@ -1160,7 +1161,7 @@
       </p:sp>
       <p:sp>
         <p:nvSpPr>
-          <p:cNvPr id="204" name="Google Shape;204;g59d6bdf95b_3_11:notes"/>
+          <p:cNvPr id="204" name="Google Shape;204;g59d6bdf95b_3_5:notes"/>
           <p:cNvSpPr txBox="1"/>
           <p:nvPr>
             <p:ph idx="1" type="body"/>
@@ -1224,7 +1225,7 @@
       </p:grpSpPr>
       <p:sp>
         <p:nvSpPr>
-          <p:cNvPr id="209" name="Google Shape;209;g59d6bdf95b_3_16:notes"/>
+          <p:cNvPr id="209" name="Google Shape;209;g59d6bdf95b_3_11:notes"/>
           <p:cNvSpPr/>
           <p:nvPr>
             <p:ph idx="2" type="sldImg"/>
@@ -1259,7 +1260,7 @@
       </p:sp>
       <p:sp>
         <p:nvSpPr>
-          <p:cNvPr id="210" name="Google Shape;210;g59d6bdf95b_3_16:notes"/>
+          <p:cNvPr id="210" name="Google Shape;210;g59d6bdf95b_3_11:notes"/>
           <p:cNvSpPr txBox="1"/>
           <p:nvPr>
             <p:ph idx="1" type="body"/>
@@ -1323,7 +1324,7 @@
       </p:grpSpPr>
       <p:sp>
         <p:nvSpPr>
-          <p:cNvPr id="215" name="Google Shape;215;g59d6bdf95b_3_21:notes"/>
+          <p:cNvPr id="215" name="Google Shape;215;g59d6bdf95b_3_16:notes"/>
           <p:cNvSpPr/>
           <p:nvPr>
             <p:ph idx="2" type="sldImg"/>
@@ -1358,7 +1359,7 @@
       </p:sp>
       <p:sp>
         <p:nvSpPr>
-          <p:cNvPr id="216" name="Google Shape;216;g59d6bdf95b_3_21:notes"/>
+          <p:cNvPr id="216" name="Google Shape;216;g59d6bdf95b_3_16:notes"/>
           <p:cNvSpPr txBox="1"/>
           <p:nvPr>
             <p:ph idx="1" type="body"/>
@@ -1422,7 +1423,7 @@
       </p:grpSpPr>
       <p:sp>
         <p:nvSpPr>
-          <p:cNvPr id="221" name="Google Shape;221;g571a6d01b5_0_27:notes"/>
+          <p:cNvPr id="221" name="Google Shape;221;g59d6bdf95b_3_21:notes"/>
           <p:cNvSpPr/>
           <p:nvPr>
             <p:ph idx="2" type="sldImg"/>
@@ -1457,7 +1458,7 @@
       </p:sp>
       <p:sp>
         <p:nvSpPr>
-          <p:cNvPr id="222" name="Google Shape;222;g571a6d01b5_0_27:notes"/>
+          <p:cNvPr id="222" name="Google Shape;222;g59d6bdf95b_3_21:notes"/>
           <p:cNvSpPr txBox="1"/>
           <p:nvPr>
             <p:ph idx="1" type="body"/>
@@ -1507,7 +1508,7 @@
   <p:cSld>
     <p:spTree>
       <p:nvGrpSpPr>
-        <p:cNvPr id="228" name="Shape 228"/>
+        <p:cNvPr id="226" name="Shape 226"/>
         <p:cNvGrpSpPr/>
         <p:nvPr/>
       </p:nvGrpSpPr>
@@ -1521,7 +1522,7 @@
       </p:grpSpPr>
       <p:sp>
         <p:nvSpPr>
-          <p:cNvPr id="229" name="Google Shape;229;g571a6d01b5_0_32:notes"/>
+          <p:cNvPr id="227" name="Google Shape;227;g571a6d01b5_0_27:notes"/>
           <p:cNvSpPr/>
           <p:nvPr>
             <p:ph idx="2" type="sldImg"/>
@@ -1556,7 +1557,7 @@
       </p:sp>
       <p:sp>
         <p:nvSpPr>
-          <p:cNvPr id="230" name="Google Shape;230;g571a6d01b5_0_32:notes"/>
+          <p:cNvPr id="228" name="Google Shape;228;g571a6d01b5_0_27:notes"/>
           <p:cNvSpPr txBox="1"/>
           <p:nvPr>
             <p:ph idx="1" type="body"/>
@@ -1620,7 +1621,7 @@
       </p:grpSpPr>
       <p:sp>
         <p:nvSpPr>
-          <p:cNvPr id="235" name="Google Shape;235;g571a6d01b5_0_37:notes"/>
+          <p:cNvPr id="235" name="Google Shape;235;g571a6d01b5_0_32:notes"/>
           <p:cNvSpPr/>
           <p:nvPr>
             <p:ph idx="2" type="sldImg"/>
@@ -1655,7 +1656,106 @@
       </p:sp>
       <p:sp>
         <p:nvSpPr>
-          <p:cNvPr id="236" name="Google Shape;236;g571a6d01b5_0_37:notes"/>
+          <p:cNvPr id="236" name="Google Shape;236;g571a6d01b5_0_32:notes"/>
+          <p:cNvSpPr txBox="1"/>
+          <p:nvPr>
+            <p:ph idx="1" type="body"/>
+          </p:nvPr>
+        </p:nvSpPr>
+        <p:spPr>
+          <a:xfrm>
+            <a:off x="685800" y="4343400"/>
+            <a:ext cx="5486400" cy="4114800"/>
+          </a:xfrm>
+          <a:prstGeom prst="rect">
+            <a:avLst/>
+          </a:prstGeom>
+        </p:spPr>
+        <p:txBody>
+          <a:bodyPr anchorCtr="0" anchor="t" bIns="91425" lIns="91425" spcFirstLastPara="1" rIns="91425" wrap="square" tIns="91425">
+            <a:noAutofit/>
+          </a:bodyPr>
+          <a:lstStyle/>
+          <a:p>
+            <a:pPr indent="0" lvl="0" marL="0" rtl="0" algn="l">
+              <a:spcBef>
+                <a:spcPts val="0"/>
+              </a:spcBef>
+              <a:spcAft>
+                <a:spcPts val="0"/>
+              </a:spcAft>
+              <a:buNone/>
+            </a:pPr>
+            <a:r>
+              <a:t/>
+            </a:r>
+            <a:endParaRPr/>
+          </a:p>
+        </p:txBody>
+      </p:sp>
+    </p:spTree>
+  </p:cSld>
+  <p:clrMapOvr>
+    <a:masterClrMapping/>
+  </p:clrMapOvr>
+</p:notes>
+</file>
+
+<file path=ppt/notesSlides/notesSlide19.xml><?xml version="1.0" encoding="utf-8"?>
+<p:notes xmlns:a="http://schemas.openxmlformats.org/drawingml/2006/main" xmlns:r="http://schemas.openxmlformats.org/officeDocument/2006/relationships" xmlns:mc="http://schemas.openxmlformats.org/markup-compatibility/2006" xmlns:mv="urn:schemas-microsoft-com:mac:vml" xmlns:p="http://schemas.openxmlformats.org/presentationml/2006/main" xmlns:c="http://schemas.openxmlformats.org/drawingml/2006/chart" xmlns:dgm="http://schemas.openxmlformats.org/drawingml/2006/diagram" xmlns:o="urn:schemas-microsoft-com:office:office" xmlns:v="urn:schemas-microsoft-com:vml" xmlns:pvml="urn:schemas-microsoft-com:office:powerpoint" xmlns:com="http://schemas.openxmlformats.org/drawingml/2006/compatibility" xmlns:p14="http://schemas.microsoft.com/office/powerpoint/2010/main" xmlns:p15="http://schemas.microsoft.com/office/powerpoint/2012/main" showMasterPhAnim="0" showMasterSp="0">
+  <p:cSld>
+    <p:spTree>
+      <p:nvGrpSpPr>
+        <p:cNvPr id="240" name="Shape 240"/>
+        <p:cNvGrpSpPr/>
+        <p:nvPr/>
+      </p:nvGrpSpPr>
+      <p:grpSpPr>
+        <a:xfrm>
+          <a:off x="0" y="0"/>
+          <a:ext cx="0" cy="0"/>
+          <a:chOff x="0" y="0"/>
+          <a:chExt cx="0" cy="0"/>
+        </a:xfrm>
+      </p:grpSpPr>
+      <p:sp>
+        <p:nvSpPr>
+          <p:cNvPr id="241" name="Google Shape;241;g571a6d01b5_0_37:notes"/>
+          <p:cNvSpPr/>
+          <p:nvPr>
+            <p:ph idx="2" type="sldImg"/>
+          </p:nvPr>
+        </p:nvSpPr>
+        <p:spPr>
+          <a:xfrm>
+            <a:off x="381300" y="685800"/>
+            <a:ext cx="6096000" cy="3429000"/>
+          </a:xfrm>
+          <a:custGeom>
+            <a:rect b="b" l="l" r="r" t="t"/>
+            <a:pathLst>
+              <a:path extrusionOk="0" h="120000" w="120000">
+                <a:moveTo>
+                  <a:pt x="0" y="0"/>
+                </a:moveTo>
+                <a:lnTo>
+                  <a:pt x="120000" y="0"/>
+                </a:lnTo>
+                <a:lnTo>
+                  <a:pt x="120000" y="120000"/>
+                </a:lnTo>
+                <a:lnTo>
+                  <a:pt x="0" y="120000"/>
+                </a:lnTo>
+                <a:close/>
+              </a:path>
+            </a:pathLst>
+          </a:custGeom>
+        </p:spPr>
+      </p:sp>
+      <p:sp>
+        <p:nvSpPr>
+          <p:cNvPr id="242" name="Google Shape;242;g571a6d01b5_0_37:notes"/>
           <p:cNvSpPr txBox="1"/>
           <p:nvPr>
             <p:ph idx="1" type="body"/>
@@ -10728,177 +10828,40 @@
             </a:pPr>
             <a:r>
               <a:rPr lang="en"/>
-              <a:t>Dataset - Data Prep &amp; Cleaning</a:t>
+              <a:t>Dataset - Interesting Observations</a:t>
             </a:r>
             <a:endParaRPr/>
           </a:p>
         </p:txBody>
       </p:sp>
-      <p:sp>
-        <p:nvSpPr>
+      <p:pic>
+        <p:nvPicPr>
           <p:cNvPr id="189" name="Google Shape;189;p22"/>
-          <p:cNvSpPr txBox="1"/>
-          <p:nvPr>
-            <p:ph idx="1" type="body"/>
-          </p:nvPr>
-        </p:nvSpPr>
+          <p:cNvPicPr preferRelativeResize="0"/>
+          <p:nvPr/>
+        </p:nvPicPr>
+        <p:blipFill>
+          <a:blip r:embed="rId3">
+            <a:alphaModFix/>
+          </a:blip>
+          <a:stretch>
+            <a:fillRect/>
+          </a:stretch>
+        </p:blipFill>
         <p:spPr>
           <a:xfrm>
-            <a:off x="819150" y="1494950"/>
-            <a:ext cx="7505700" cy="2943900"/>
+            <a:off x="2380736" y="1560595"/>
+            <a:ext cx="3743325" cy="2676525"/>
           </a:xfrm>
           <a:prstGeom prst="rect">
             <a:avLst/>
           </a:prstGeom>
+          <a:noFill/>
+          <a:ln>
+            <a:noFill/>
+          </a:ln>
         </p:spPr>
-        <p:txBody>
-          <a:bodyPr anchorCtr="0" anchor="t" bIns="91425" lIns="91425" spcFirstLastPara="1" rIns="91425" wrap="square" tIns="91425">
-            <a:noAutofit/>
-          </a:bodyPr>
-          <a:lstStyle/>
-          <a:p>
-            <a:pPr indent="-342900" lvl="0" marL="457200" marR="0" rtl="0" algn="l">
-              <a:lnSpc>
-                <a:spcPct val="115000"/>
-              </a:lnSpc>
-              <a:spcBef>
-                <a:spcPts val="0"/>
-              </a:spcBef>
-              <a:spcAft>
-                <a:spcPts val="0"/>
-              </a:spcAft>
-              <a:buSzPts val="1800"/>
-              <a:buChar char="●"/>
-            </a:pPr>
-            <a:r>
-              <a:rPr lang="en" sz="1800"/>
-              <a:t>Data cleaning</a:t>
-            </a:r>
-            <a:endParaRPr sz="1800"/>
-          </a:p>
-          <a:p>
-            <a:pPr indent="-342900" lvl="1" marL="914400" marR="0" rtl="0" algn="l">
-              <a:lnSpc>
-                <a:spcPct val="115000"/>
-              </a:lnSpc>
-              <a:spcBef>
-                <a:spcPts val="0"/>
-              </a:spcBef>
-              <a:spcAft>
-                <a:spcPts val="0"/>
-              </a:spcAft>
-              <a:buSzPts val="1800"/>
-              <a:buChar char="○"/>
-            </a:pPr>
-            <a:r>
-              <a:rPr lang="en" sz="1800"/>
-              <a:t>Dropped invalid BMI entries</a:t>
-            </a:r>
-            <a:endParaRPr sz="1800"/>
-          </a:p>
-          <a:p>
-            <a:pPr indent="-342900" lvl="0" marL="457200" marR="0" rtl="0" algn="l">
-              <a:lnSpc>
-                <a:spcPct val="115000"/>
-              </a:lnSpc>
-              <a:spcBef>
-                <a:spcPts val="0"/>
-              </a:spcBef>
-              <a:spcAft>
-                <a:spcPts val="0"/>
-              </a:spcAft>
-              <a:buSzPts val="1800"/>
-              <a:buChar char="●"/>
-            </a:pPr>
-            <a:r>
-              <a:rPr lang="en" sz="1800"/>
-              <a:t>Approaches</a:t>
-            </a:r>
-            <a:endParaRPr sz="1800"/>
-          </a:p>
-          <a:p>
-            <a:pPr indent="-342900" lvl="1" marL="914400" rtl="0" algn="l">
-              <a:spcBef>
-                <a:spcPts val="0"/>
-              </a:spcBef>
-              <a:spcAft>
-                <a:spcPts val="0"/>
-              </a:spcAft>
-              <a:buSzPts val="1800"/>
-              <a:buChar char="○"/>
-            </a:pPr>
-            <a:r>
-              <a:rPr lang="en" sz="1800"/>
-              <a:t>Split_data via np.random.RandomState(0).permutation(dataset.shape[0])</a:t>
-            </a:r>
-            <a:endParaRPr sz="1800"/>
-          </a:p>
-          <a:p>
-            <a:pPr indent="-342900" lvl="1" marL="914400" marR="0" rtl="0" algn="l">
-              <a:lnSpc>
-                <a:spcPct val="115000"/>
-              </a:lnSpc>
-              <a:spcBef>
-                <a:spcPts val="0"/>
-              </a:spcBef>
-              <a:spcAft>
-                <a:spcPts val="0"/>
-              </a:spcAft>
-              <a:buSzPts val="1800"/>
-              <a:buChar char="○"/>
-            </a:pPr>
-            <a:r>
-              <a:rPr lang="en" sz="1800"/>
-              <a:t>Label encoding</a:t>
-            </a:r>
-            <a:endParaRPr sz="1800"/>
-          </a:p>
-          <a:p>
-            <a:pPr indent="-342900" lvl="1" marL="914400" marR="0" rtl="0" algn="l">
-              <a:lnSpc>
-                <a:spcPct val="115000"/>
-              </a:lnSpc>
-              <a:spcBef>
-                <a:spcPts val="0"/>
-              </a:spcBef>
-              <a:spcAft>
-                <a:spcPts val="0"/>
-              </a:spcAft>
-              <a:buSzPts val="1800"/>
-              <a:buChar char="○"/>
-            </a:pPr>
-            <a:r>
-              <a:rPr lang="en" sz="1800"/>
-              <a:t>S</a:t>
-            </a:r>
-            <a:r>
-              <a:rPr lang="en" sz="1800"/>
-              <a:t>caling</a:t>
-            </a:r>
-            <a:endParaRPr sz="1800"/>
-          </a:p>
-          <a:p>
-            <a:pPr indent="-342900" lvl="1" marL="914400" marR="0" rtl="0" algn="l">
-              <a:lnSpc>
-                <a:spcPct val="115000"/>
-              </a:lnSpc>
-              <a:spcBef>
-                <a:spcPts val="0"/>
-              </a:spcBef>
-              <a:spcAft>
-                <a:spcPts val="0"/>
-              </a:spcAft>
-              <a:buSzPts val="1800"/>
-              <a:buChar char="○"/>
-            </a:pPr>
-            <a:r>
-              <a:rPr lang="en" sz="1800"/>
-              <a:t>One hot encoding via pd.get_dummies()</a:t>
-            </a:r>
-            <a:endParaRPr sz="1800"/>
-          </a:p>
-        </p:txBody>
-      </p:sp>
+      </p:pic>
     </p:spTree>
   </p:cSld>
   <p:clrMapOvr>
@@ -10958,11 +10921,7 @@
             </a:pPr>
             <a:r>
               <a:rPr lang="en"/>
-              <a:t>Experiments &amp; Statistical Techniques</a:t>
-            </a:r>
-            <a:r>
-              <a:rPr lang="en"/>
-              <a:t> </a:t>
+              <a:t>Dataset - Data Prep &amp; Cleaning</a:t>
             </a:r>
             <a:endParaRPr/>
           </a:p>
@@ -10991,7 +10950,10 @@
           </a:bodyPr>
           <a:lstStyle/>
           <a:p>
-            <a:pPr indent="-342900" lvl="0" marL="457200" rtl="0" algn="l">
+            <a:pPr indent="-342900" lvl="0" marL="457200" marR="0" rtl="0" algn="l">
+              <a:lnSpc>
+                <a:spcPct val="115000"/>
+              </a:lnSpc>
               <a:spcBef>
                 <a:spcPts val="0"/>
               </a:spcBef>
@@ -11003,12 +10965,15 @@
             </a:pPr>
             <a:r>
               <a:rPr lang="en" sz="1800"/>
-              <a:t>Approaches</a:t>
+              <a:t>Data cleaning</a:t>
             </a:r>
             <a:endParaRPr sz="1800"/>
           </a:p>
           <a:p>
-            <a:pPr indent="-342900" lvl="1" marL="914400" rtl="0" algn="l">
+            <a:pPr indent="-342900" lvl="1" marL="914400" marR="0" rtl="0" algn="l">
+              <a:lnSpc>
+                <a:spcPct val="115000"/>
+              </a:lnSpc>
               <a:spcBef>
                 <a:spcPts val="0"/>
               </a:spcBef>
@@ -11020,7 +10985,27 @@
             </a:pPr>
             <a:r>
               <a:rPr lang="en" sz="1800"/>
-              <a:t>Manual experimentation</a:t>
+              <a:t>Dropped invalid BMI entries</a:t>
+            </a:r>
+            <a:endParaRPr sz="1800"/>
+          </a:p>
+          <a:p>
+            <a:pPr indent="-342900" lvl="0" marL="457200" marR="0" rtl="0" algn="l">
+              <a:lnSpc>
+                <a:spcPct val="115000"/>
+              </a:lnSpc>
+              <a:spcBef>
+                <a:spcPts val="0"/>
+              </a:spcBef>
+              <a:spcAft>
+                <a:spcPts val="0"/>
+              </a:spcAft>
+              <a:buSzPts val="1800"/>
+              <a:buChar char="●"/>
+            </a:pPr>
+            <a:r>
+              <a:rPr lang="en" sz="1800"/>
+              <a:t>Approaches</a:t>
             </a:r>
             <a:endParaRPr sz="1800"/>
           </a:p>
@@ -11037,12 +11022,15 @@
             </a:pPr>
             <a:r>
               <a:rPr lang="en" sz="1800"/>
-              <a:t>SelectKBest &amp; recursive feature elimination with cross validation (RFECV)</a:t>
+              <a:t>Split_data via np.random.RandomState(0).permutation(dataset.shape[0])</a:t>
             </a:r>
             <a:endParaRPr sz="1800"/>
           </a:p>
           <a:p>
-            <a:pPr indent="-342900" lvl="1" marL="914400" rtl="0" algn="l">
+            <a:pPr indent="-342900" lvl="1" marL="914400" marR="0" rtl="0" algn="l">
+              <a:lnSpc>
+                <a:spcPct val="115000"/>
+              </a:lnSpc>
               <a:spcBef>
                 <a:spcPts val="0"/>
               </a:spcBef>
@@ -11054,29 +11042,15 @@
             </a:pPr>
             <a:r>
               <a:rPr lang="en" sz="1800"/>
-              <a:t>Grid search</a:t>
+              <a:t>Label encoding</a:t>
             </a:r>
             <a:endParaRPr sz="1800"/>
           </a:p>
           <a:p>
-            <a:pPr indent="-342900" lvl="0" marL="457200" rtl="0" algn="l">
-              <a:spcBef>
-                <a:spcPts val="0"/>
-              </a:spcBef>
-              <a:spcAft>
-                <a:spcPts val="0"/>
-              </a:spcAft>
-              <a:buSzPts val="1800"/>
-              <a:buChar char="●"/>
-            </a:pPr>
-            <a:r>
-              <a:rPr lang="en" sz="1800"/>
-              <a:t>Challenges</a:t>
-            </a:r>
-            <a:endParaRPr sz="1800"/>
-          </a:p>
-          <a:p>
-            <a:pPr indent="-342900" lvl="1" marL="914400" rtl="0" algn="l">
+            <a:pPr indent="-342900" lvl="1" marL="914400" marR="0" rtl="0" algn="l">
+              <a:lnSpc>
+                <a:spcPct val="115000"/>
+              </a:lnSpc>
               <a:spcBef>
                 <a:spcPts val="0"/>
               </a:spcBef>
@@ -11088,12 +11062,19 @@
             </a:pPr>
             <a:r>
               <a:rPr lang="en" sz="1800"/>
-              <a:t>Curse of dimensionality</a:t>
+              <a:t>S</a:t>
+            </a:r>
+            <a:r>
+              <a:rPr lang="en" sz="1800"/>
+              <a:t>caling</a:t>
             </a:r>
             <a:endParaRPr sz="1800"/>
           </a:p>
           <a:p>
-            <a:pPr indent="-342900" lvl="1" marL="914400" rtl="0" algn="l">
+            <a:pPr indent="-342900" lvl="1" marL="914400" marR="0" rtl="0" algn="l">
+              <a:lnSpc>
+                <a:spcPct val="115000"/>
+              </a:lnSpc>
               <a:spcBef>
                 <a:spcPts val="0"/>
               </a:spcBef>
@@ -11105,53 +11086,7 @@
             </a:pPr>
             <a:r>
               <a:rPr lang="en" sz="1800"/>
-              <a:t>Interpretability</a:t>
-            </a:r>
-            <a:endParaRPr sz="1800"/>
-          </a:p>
-          <a:p>
-            <a:pPr indent="-342900" lvl="1" marL="914400" rtl="0" algn="l">
-              <a:spcBef>
-                <a:spcPts val="0"/>
-              </a:spcBef>
-              <a:spcAft>
-                <a:spcPts val="0"/>
-              </a:spcAft>
-              <a:buSzPts val="1800"/>
-              <a:buChar char="○"/>
-            </a:pPr>
-            <a:r>
-              <a:rPr lang="en" sz="1800"/>
-              <a:t>Long-running models</a:t>
-            </a:r>
-            <a:endParaRPr sz="1800"/>
-          </a:p>
-          <a:p>
-            <a:pPr indent="-342900" lvl="1" marL="914400" rtl="0" algn="l">
-              <a:spcBef>
-                <a:spcPts val="0"/>
-              </a:spcBef>
-              <a:spcAft>
-                <a:spcPts val="0"/>
-              </a:spcAft>
-              <a:buSzPts val="1800"/>
-              <a:buChar char="○"/>
-            </a:pPr>
-            <a:r>
-              <a:rPr lang="en" sz="1800"/>
-              <a:t>Including the </a:t>
-            </a:r>
-            <a:r>
-              <a:rPr i="1" lang="en" sz="1800"/>
-              <a:t>prediction</a:t>
-            </a:r>
-            <a:r>
-              <a:rPr lang="en" sz="1800"/>
-              <a:t> among the </a:t>
-            </a:r>
-            <a:r>
-              <a:rPr i="1" lang="en" sz="1800"/>
-              <a:t>predictors</a:t>
+              <a:t>One hot encoding via pd.get_dummies()</a:t>
             </a:r>
             <a:endParaRPr sz="1800"/>
           </a:p>
@@ -11193,7 +11128,7 @@
         <p:spPr>
           <a:xfrm>
             <a:off x="819150" y="845600"/>
-            <a:ext cx="7505700" cy="1038900"/>
+            <a:ext cx="7505700" cy="538200"/>
           </a:xfrm>
           <a:prstGeom prst="rect">
             <a:avLst/>
@@ -11205,7 +11140,7 @@
           </a:bodyPr>
           <a:lstStyle/>
           <a:p>
-            <a:pPr indent="0" lvl="0" marL="0" rtl="0" algn="ctr">
+            <a:pPr indent="0" lvl="0" marL="0" rtl="0" algn="l">
               <a:spcBef>
                 <a:spcPts val="0"/>
               </a:spcBef>
@@ -11216,38 +11151,11 @@
             </a:pPr>
             <a:r>
               <a:rPr lang="en"/>
-              <a:t>Decision Trees</a:t>
-            </a:r>
-            <a:endParaRPr/>
-          </a:p>
-          <a:p>
-            <a:pPr indent="0" lvl="0" marL="0" rtl="0" algn="ctr">
-              <a:spcBef>
-                <a:spcPts val="0"/>
-              </a:spcBef>
-              <a:spcAft>
-                <a:spcPts val="0"/>
-              </a:spcAft>
-              <a:buNone/>
-            </a:pPr>
-            <a:r>
-              <a:rPr lang="en" sz="2400"/>
-              <a:t>Motivation</a:t>
-            </a:r>
-            <a:endParaRPr sz="2400"/>
-          </a:p>
-          <a:p>
-            <a:pPr indent="0" lvl="0" marL="0" rtl="0" algn="ctr">
-              <a:spcBef>
-                <a:spcPts val="0"/>
-              </a:spcBef>
-              <a:spcAft>
-                <a:spcPts val="0"/>
-              </a:spcAft>
-              <a:buNone/>
-            </a:pPr>
-            <a:r>
-              <a:t/>
+              <a:t>Experiments &amp; Statistical Techniques</a:t>
+            </a:r>
+            <a:r>
+              <a:rPr lang="en"/>
+              <a:t> </a:t>
             </a:r>
             <a:endParaRPr/>
           </a:p>
@@ -11263,8 +11171,8 @@
         </p:nvSpPr>
         <p:spPr>
           <a:xfrm>
-            <a:off x="3026900" y="1967800"/>
-            <a:ext cx="3345000" cy="1296000"/>
+            <a:off x="819150" y="1494950"/>
+            <a:ext cx="7505700" cy="2943900"/>
           </a:xfrm>
           <a:prstGeom prst="rect">
             <a:avLst/>
@@ -11276,24 +11184,9 @@
           </a:bodyPr>
           <a:lstStyle/>
           <a:p>
-            <a:pPr indent="0" lvl="0" marL="457200" rtl="0" algn="ctr">
-              <a:spcBef>
-                <a:spcPts val="0"/>
-              </a:spcBef>
-              <a:spcAft>
-                <a:spcPts val="0"/>
-              </a:spcAft>
-              <a:buNone/>
-            </a:pPr>
-            <a:r>
-              <a:t/>
-            </a:r>
-            <a:endParaRPr/>
-          </a:p>
-          <a:p>
             <a:pPr indent="-342900" lvl="0" marL="457200" rtl="0" algn="l">
               <a:spcBef>
-                <a:spcPts val="1600"/>
+                <a:spcPts val="0"/>
               </a:spcBef>
               <a:spcAft>
                 <a:spcPts val="0"/>
@@ -11303,7 +11196,75 @@
             </a:pPr>
             <a:r>
               <a:rPr lang="en" sz="1800"/>
-              <a:t>Structured Variables</a:t>
+              <a:t>Approaches</a:t>
+            </a:r>
+            <a:endParaRPr sz="1800"/>
+          </a:p>
+          <a:p>
+            <a:pPr indent="-342900" lvl="1" marL="914400" rtl="0" algn="l">
+              <a:spcBef>
+                <a:spcPts val="0"/>
+              </a:spcBef>
+              <a:spcAft>
+                <a:spcPts val="0"/>
+              </a:spcAft>
+              <a:buSzPts val="1800"/>
+              <a:buChar char="○"/>
+            </a:pPr>
+            <a:r>
+              <a:rPr lang="en" sz="1800"/>
+              <a:t>Manual experimentation</a:t>
+            </a:r>
+            <a:endParaRPr sz="1800"/>
+          </a:p>
+          <a:p>
+            <a:pPr indent="-342900" lvl="1" marL="914400" rtl="0" algn="l">
+              <a:spcBef>
+                <a:spcPts val="0"/>
+              </a:spcBef>
+              <a:spcAft>
+                <a:spcPts val="0"/>
+              </a:spcAft>
+              <a:buSzPts val="1800"/>
+              <a:buChar char="○"/>
+            </a:pPr>
+            <a:r>
+              <a:rPr lang="en" sz="1800"/>
+              <a:t>SelectKBest</a:t>
+            </a:r>
+            <a:endParaRPr sz="1800"/>
+          </a:p>
+          <a:p>
+            <a:pPr indent="-342900" lvl="1" marL="914400" rtl="0" algn="l">
+              <a:spcBef>
+                <a:spcPts val="0"/>
+              </a:spcBef>
+              <a:spcAft>
+                <a:spcPts val="0"/>
+              </a:spcAft>
+              <a:buSzPts val="1800"/>
+              <a:buChar char="○"/>
+            </a:pPr>
+            <a:r>
+              <a:rPr lang="en" sz="1800"/>
+              <a:t>Recursive feature elimination with cross validation (RFECV)</a:t>
+            </a:r>
+            <a:endParaRPr sz="1800"/>
+          </a:p>
+          <a:p>
+            <a:pPr indent="-342900" lvl="1" marL="914400" rtl="0" algn="l">
+              <a:spcBef>
+                <a:spcPts val="0"/>
+              </a:spcBef>
+              <a:spcAft>
+                <a:spcPts val="0"/>
+              </a:spcAft>
+              <a:buSzPts val="1800"/>
+              <a:buChar char="○"/>
+            </a:pPr>
+            <a:r>
+              <a:rPr lang="en" sz="1800"/>
+              <a:t>Grid search</a:t>
             </a:r>
             <a:endParaRPr sz="1800"/>
           </a:p>
@@ -11320,24 +11281,89 @@
             </a:pPr>
             <a:r>
               <a:rPr lang="en" sz="1800"/>
-              <a:t>Goal of identifying predictors</a:t>
+              <a:t>Challenges</a:t>
             </a:r>
             <a:endParaRPr sz="1800"/>
           </a:p>
           <a:p>
-            <a:pPr indent="0" lvl="0" marL="457200" rtl="0" algn="l">
-              <a:spcBef>
-                <a:spcPts val="1600"/>
-              </a:spcBef>
-              <a:spcAft>
-                <a:spcPts val="1600"/>
-              </a:spcAft>
-              <a:buNone/>
-            </a:pPr>
-            <a:r>
-              <a:t/>
-            </a:r>
-            <a:endParaRPr/>
+            <a:pPr indent="-342900" lvl="1" marL="914400" rtl="0" algn="l">
+              <a:spcBef>
+                <a:spcPts val="0"/>
+              </a:spcBef>
+              <a:spcAft>
+                <a:spcPts val="0"/>
+              </a:spcAft>
+              <a:buSzPts val="1800"/>
+              <a:buChar char="○"/>
+            </a:pPr>
+            <a:r>
+              <a:rPr lang="en" sz="1800"/>
+              <a:t>Curse of dimensionality</a:t>
+            </a:r>
+            <a:endParaRPr sz="1800"/>
+          </a:p>
+          <a:p>
+            <a:pPr indent="-342900" lvl="1" marL="914400" rtl="0" algn="l">
+              <a:spcBef>
+                <a:spcPts val="0"/>
+              </a:spcBef>
+              <a:spcAft>
+                <a:spcPts val="0"/>
+              </a:spcAft>
+              <a:buSzPts val="1800"/>
+              <a:buChar char="○"/>
+            </a:pPr>
+            <a:r>
+              <a:rPr lang="en" sz="1800"/>
+              <a:t>Interpretability</a:t>
+            </a:r>
+            <a:endParaRPr sz="1800"/>
+          </a:p>
+          <a:p>
+            <a:pPr indent="-342900" lvl="1" marL="914400" rtl="0" algn="l">
+              <a:spcBef>
+                <a:spcPts val="0"/>
+              </a:spcBef>
+              <a:spcAft>
+                <a:spcPts val="0"/>
+              </a:spcAft>
+              <a:buSzPts val="1800"/>
+              <a:buChar char="○"/>
+            </a:pPr>
+            <a:r>
+              <a:rPr lang="en" sz="1800"/>
+              <a:t>Long-running models</a:t>
+            </a:r>
+            <a:endParaRPr sz="1800"/>
+          </a:p>
+          <a:p>
+            <a:pPr indent="-342900" lvl="1" marL="914400" rtl="0" algn="l">
+              <a:spcBef>
+                <a:spcPts val="0"/>
+              </a:spcBef>
+              <a:spcAft>
+                <a:spcPts val="0"/>
+              </a:spcAft>
+              <a:buSzPts val="1800"/>
+              <a:buChar char="○"/>
+            </a:pPr>
+            <a:r>
+              <a:rPr lang="en" sz="1800"/>
+              <a:t>Including the </a:t>
+            </a:r>
+            <a:r>
+              <a:rPr i="1" lang="en" sz="1800"/>
+              <a:t>prediction</a:t>
+            </a:r>
+            <a:r>
+              <a:rPr lang="en" sz="1800"/>
+              <a:t> among the </a:t>
+            </a:r>
+            <a:r>
+              <a:rPr i="1" lang="en" sz="1800"/>
+              <a:t>predictors</a:t>
+            </a:r>
+            <a:endParaRPr sz="1800"/>
           </a:p>
         </p:txBody>
       </p:sp>
@@ -11377,7 +11403,7 @@
         <p:spPr>
           <a:xfrm>
             <a:off x="819150" y="845600"/>
-            <a:ext cx="7505700" cy="1066200"/>
+            <a:ext cx="7505700" cy="1038900"/>
           </a:xfrm>
           <a:prstGeom prst="rect">
             <a:avLst/>
@@ -11416,11 +11442,7 @@
             </a:pPr>
             <a:r>
               <a:rPr lang="en" sz="2400"/>
-              <a:t>Data </a:t>
-            </a:r>
-            <a:r>
-              <a:rPr lang="en" sz="2400"/>
-              <a:t>Preparation</a:t>
+              <a:t>Motivation</a:t>
             </a:r>
             <a:endParaRPr sz="2400"/>
           </a:p>
@@ -11451,8 +11473,8 @@
         </p:nvSpPr>
         <p:spPr>
           <a:xfrm>
-            <a:off x="2695750" y="1967800"/>
-            <a:ext cx="3799500" cy="1296000"/>
+            <a:off x="3026900" y="1967800"/>
+            <a:ext cx="3345000" cy="1296000"/>
           </a:xfrm>
           <a:prstGeom prst="rect">
             <a:avLst/>
@@ -11464,9 +11486,24 @@
           </a:bodyPr>
           <a:lstStyle/>
           <a:p>
+            <a:pPr indent="0" lvl="0" marL="457200" rtl="0" algn="ctr">
+              <a:spcBef>
+                <a:spcPts val="0"/>
+              </a:spcBef>
+              <a:spcAft>
+                <a:spcPts val="0"/>
+              </a:spcAft>
+              <a:buNone/>
+            </a:pPr>
+            <a:r>
+              <a:t/>
+            </a:r>
+            <a:endParaRPr/>
+          </a:p>
+          <a:p>
             <a:pPr indent="-342900" lvl="0" marL="457200" rtl="0" algn="l">
               <a:spcBef>
-                <a:spcPts val="0"/>
+                <a:spcPts val="1600"/>
               </a:spcBef>
               <a:spcAft>
                 <a:spcPts val="0"/>
@@ -11476,7 +11513,7 @@
             </a:pPr>
             <a:r>
               <a:rPr lang="en" sz="1800"/>
-              <a:t>Remove rows missing target data </a:t>
+              <a:t>Structured Variables</a:t>
             </a:r>
             <a:endParaRPr sz="1800"/>
           </a:p>
@@ -11493,58 +11530,7 @@
             </a:pPr>
             <a:r>
               <a:rPr lang="en" sz="1800"/>
-              <a:t>Remove useless variables</a:t>
-            </a:r>
-            <a:endParaRPr sz="1800"/>
-          </a:p>
-          <a:p>
-            <a:pPr indent="-342900" lvl="0" marL="457200" rtl="0" algn="l">
-              <a:spcBef>
-                <a:spcPts val="0"/>
-              </a:spcBef>
-              <a:spcAft>
-                <a:spcPts val="0"/>
-              </a:spcAft>
-              <a:buSzPts val="1800"/>
-              <a:buChar char="●"/>
-            </a:pPr>
-            <a:r>
-              <a:rPr lang="en" sz="1800"/>
-              <a:t>Combine Income</a:t>
-            </a:r>
-            <a:endParaRPr sz="1800"/>
-          </a:p>
-          <a:p>
-            <a:pPr indent="-342900" lvl="0" marL="457200" rtl="0" algn="l">
-              <a:spcBef>
-                <a:spcPts val="0"/>
-              </a:spcBef>
-              <a:spcAft>
-                <a:spcPts val="0"/>
-              </a:spcAft>
-              <a:buSzPts val="1800"/>
-              <a:buChar char="●"/>
-            </a:pPr>
-            <a:r>
-              <a:rPr lang="en" sz="1800"/>
-              <a:t>Categorize BMI</a:t>
-            </a:r>
-            <a:endParaRPr sz="1800"/>
-          </a:p>
-          <a:p>
-            <a:pPr indent="-342900" lvl="0" marL="457200" rtl="0" algn="l">
-              <a:spcBef>
-                <a:spcPts val="0"/>
-              </a:spcBef>
-              <a:spcAft>
-                <a:spcPts val="0"/>
-              </a:spcAft>
-              <a:buSzPts val="1800"/>
-              <a:buChar char="●"/>
-            </a:pPr>
-            <a:r>
-              <a:rPr lang="en" sz="1800"/>
-              <a:t>One-Hot Categories</a:t>
+              <a:t>Goal of identifying predictors</a:t>
             </a:r>
             <a:endParaRPr sz="1800"/>
           </a:p>
@@ -11640,7 +11626,11 @@
             </a:pPr>
             <a:r>
               <a:rPr lang="en" sz="2400"/>
-              <a:t>General Health Classifier Results</a:t>
+              <a:t>Data </a:t>
+            </a:r>
+            <a:r>
+              <a:rPr lang="en" sz="2400"/>
+              <a:t>Preparation</a:t>
             </a:r>
             <a:endParaRPr sz="2400"/>
           </a:p>
@@ -11671,8 +11661,8 @@
         </p:nvSpPr>
         <p:spPr>
           <a:xfrm>
-            <a:off x="2672250" y="2279775"/>
-            <a:ext cx="4217700" cy="996600"/>
+            <a:off x="2695750" y="1967800"/>
+            <a:ext cx="3799500" cy="1296000"/>
           </a:xfrm>
           <a:prstGeom prst="rect">
             <a:avLst/>
@@ -11696,7 +11686,7 @@
             </a:pPr>
             <a:r>
               <a:rPr lang="en" sz="1800"/>
-              <a:t>Key factors: BMI and income</a:t>
+              <a:t>Remove rows missing target data </a:t>
             </a:r>
             <a:endParaRPr sz="1800"/>
           </a:p>
@@ -11713,7 +11703,58 @@
             </a:pPr>
             <a:r>
               <a:rPr lang="en" sz="1800"/>
-              <a:t>Additional: exercise and eating habits</a:t>
+              <a:t>Remove useless variables</a:t>
+            </a:r>
+            <a:endParaRPr sz="1800"/>
+          </a:p>
+          <a:p>
+            <a:pPr indent="-342900" lvl="0" marL="457200" rtl="0" algn="l">
+              <a:spcBef>
+                <a:spcPts val="0"/>
+              </a:spcBef>
+              <a:spcAft>
+                <a:spcPts val="0"/>
+              </a:spcAft>
+              <a:buSzPts val="1800"/>
+              <a:buChar char="●"/>
+            </a:pPr>
+            <a:r>
+              <a:rPr lang="en" sz="1800"/>
+              <a:t>Combine Income</a:t>
+            </a:r>
+            <a:endParaRPr sz="1800"/>
+          </a:p>
+          <a:p>
+            <a:pPr indent="-342900" lvl="0" marL="457200" rtl="0" algn="l">
+              <a:spcBef>
+                <a:spcPts val="0"/>
+              </a:spcBef>
+              <a:spcAft>
+                <a:spcPts val="0"/>
+              </a:spcAft>
+              <a:buSzPts val="1800"/>
+              <a:buChar char="●"/>
+            </a:pPr>
+            <a:r>
+              <a:rPr lang="en" sz="1800"/>
+              <a:t>Categorize BMI</a:t>
+            </a:r>
+            <a:endParaRPr sz="1800"/>
+          </a:p>
+          <a:p>
+            <a:pPr indent="-342900" lvl="0" marL="457200" rtl="0" algn="l">
+              <a:spcBef>
+                <a:spcPts val="0"/>
+              </a:spcBef>
+              <a:spcAft>
+                <a:spcPts val="0"/>
+              </a:spcAft>
+              <a:buSzPts val="1800"/>
+              <a:buChar char="●"/>
+            </a:pPr>
+            <a:r>
+              <a:rPr lang="en" sz="1800"/>
+              <a:t>One-Hot Categories</a:t>
             </a:r>
             <a:endParaRPr sz="1800"/>
           </a:p>
@@ -11809,11 +11850,7 @@
             </a:pPr>
             <a:r>
               <a:rPr lang="en" sz="2400"/>
-              <a:t>BMI</a:t>
-            </a:r>
-            <a:r>
-              <a:rPr lang="en" sz="2400"/>
-              <a:t> Classifier Results</a:t>
+              <a:t>General Health Classifier Results</a:t>
             </a:r>
             <a:endParaRPr sz="2400"/>
           </a:p>
@@ -11845,7 +11882,7 @@
         <p:spPr>
           <a:xfrm>
             <a:off x="2672250" y="2279775"/>
-            <a:ext cx="5165100" cy="996600"/>
+            <a:ext cx="4217700" cy="996600"/>
           </a:xfrm>
           <a:prstGeom prst="rect">
             <a:avLst/>
@@ -11869,7 +11906,7 @@
             </a:pPr>
             <a:r>
               <a:rPr lang="en" sz="1800"/>
-              <a:t>Key factor: Exercise Frequency</a:t>
+              <a:t>Key factors: BMI and income</a:t>
             </a:r>
             <a:endParaRPr sz="1800"/>
           </a:p>
@@ -11886,24 +11923,7 @@
             </a:pPr>
             <a:r>
               <a:rPr lang="en" sz="1800"/>
-              <a:t>Mitigations: not receiving SNAP,  eating habits</a:t>
-            </a:r>
-            <a:endParaRPr sz="1800"/>
-          </a:p>
-          <a:p>
-            <a:pPr indent="-342900" lvl="0" marL="457200" rtl="0" algn="l">
-              <a:spcBef>
-                <a:spcPts val="0"/>
-              </a:spcBef>
-              <a:spcAft>
-                <a:spcPts val="0"/>
-              </a:spcAft>
-              <a:buSzPts val="1800"/>
-              <a:buChar char="●"/>
-            </a:pPr>
-            <a:r>
-              <a:rPr lang="en" sz="1800"/>
-              <a:t>Other factors: diet soda, hunger</a:t>
+              <a:t>Additional: exercise and eating habits</a:t>
             </a:r>
             <a:endParaRPr sz="1800"/>
           </a:p>
@@ -11960,7 +11980,7 @@
         <p:spPr>
           <a:xfrm>
             <a:off x="819150" y="845600"/>
-            <a:ext cx="7505700" cy="538200"/>
+            <a:ext cx="7505700" cy="1066200"/>
           </a:xfrm>
           <a:prstGeom prst="rect">
             <a:avLst/>
@@ -11972,7 +11992,7 @@
           </a:bodyPr>
           <a:lstStyle/>
           <a:p>
-            <a:pPr indent="0" lvl="0" marL="0" rtl="0" algn="l">
+            <a:pPr indent="0" lvl="0" marL="0" rtl="0" algn="ctr">
               <a:spcBef>
                 <a:spcPts val="0"/>
               </a:spcBef>
@@ -11983,11 +12003,42 @@
             </a:pPr>
             <a:r>
               <a:rPr lang="en"/>
-              <a:t>Results</a:t>
-            </a:r>
-            <a:r>
-              <a:rPr lang="en"/>
-              <a:t> </a:t>
+              <a:t>Decision Trees</a:t>
+            </a:r>
+            <a:endParaRPr/>
+          </a:p>
+          <a:p>
+            <a:pPr indent="0" lvl="0" marL="0" rtl="0" algn="ctr">
+              <a:spcBef>
+                <a:spcPts val="0"/>
+              </a:spcBef>
+              <a:spcAft>
+                <a:spcPts val="0"/>
+              </a:spcAft>
+              <a:buNone/>
+            </a:pPr>
+            <a:r>
+              <a:rPr lang="en" sz="2400"/>
+              <a:t>BMI</a:t>
+            </a:r>
+            <a:r>
+              <a:rPr lang="en" sz="2400"/>
+              <a:t> Classifier Results</a:t>
+            </a:r>
+            <a:endParaRPr sz="2400"/>
+          </a:p>
+          <a:p>
+            <a:pPr indent="0" lvl="0" marL="0" rtl="0" algn="ctr">
+              <a:spcBef>
+                <a:spcPts val="0"/>
+              </a:spcBef>
+              <a:spcAft>
+                <a:spcPts val="0"/>
+              </a:spcAft>
+              <a:buNone/>
+            </a:pPr>
+            <a:r>
+              <a:t/>
             </a:r>
             <a:endParaRPr/>
           </a:p>
@@ -12003,6 +12054,165 @@
         </p:nvSpPr>
         <p:spPr>
           <a:xfrm>
+            <a:off x="2672250" y="2279775"/>
+            <a:ext cx="5165100" cy="996600"/>
+          </a:xfrm>
+          <a:prstGeom prst="rect">
+            <a:avLst/>
+          </a:prstGeom>
+        </p:spPr>
+        <p:txBody>
+          <a:bodyPr anchorCtr="0" anchor="t" bIns="91425" lIns="91425" spcFirstLastPara="1" rIns="91425" wrap="square" tIns="91425">
+            <a:noAutofit/>
+          </a:bodyPr>
+          <a:lstStyle/>
+          <a:p>
+            <a:pPr indent="-342900" lvl="0" marL="457200" rtl="0" algn="l">
+              <a:spcBef>
+                <a:spcPts val="0"/>
+              </a:spcBef>
+              <a:spcAft>
+                <a:spcPts val="0"/>
+              </a:spcAft>
+              <a:buSzPts val="1800"/>
+              <a:buChar char="●"/>
+            </a:pPr>
+            <a:r>
+              <a:rPr lang="en" sz="1800"/>
+              <a:t>Key factor: Exercise Frequency</a:t>
+            </a:r>
+            <a:endParaRPr sz="1800"/>
+          </a:p>
+          <a:p>
+            <a:pPr indent="-342900" lvl="0" marL="457200" rtl="0" algn="l">
+              <a:spcBef>
+                <a:spcPts val="0"/>
+              </a:spcBef>
+              <a:spcAft>
+                <a:spcPts val="0"/>
+              </a:spcAft>
+              <a:buSzPts val="1800"/>
+              <a:buChar char="●"/>
+            </a:pPr>
+            <a:r>
+              <a:rPr lang="en" sz="1800"/>
+              <a:t>Mitigations: not receiving SNAP,  eating habits</a:t>
+            </a:r>
+            <a:endParaRPr sz="1800"/>
+          </a:p>
+          <a:p>
+            <a:pPr indent="-342900" lvl="0" marL="457200" rtl="0" algn="l">
+              <a:spcBef>
+                <a:spcPts val="0"/>
+              </a:spcBef>
+              <a:spcAft>
+                <a:spcPts val="0"/>
+              </a:spcAft>
+              <a:buSzPts val="1800"/>
+              <a:buChar char="●"/>
+            </a:pPr>
+            <a:r>
+              <a:rPr lang="en" sz="1800"/>
+              <a:t>Other factors: diet soda, hunger</a:t>
+            </a:r>
+            <a:endParaRPr sz="1800"/>
+          </a:p>
+          <a:p>
+            <a:pPr indent="0" lvl="0" marL="457200" rtl="0" algn="l">
+              <a:spcBef>
+                <a:spcPts val="1600"/>
+              </a:spcBef>
+              <a:spcAft>
+                <a:spcPts val="1600"/>
+              </a:spcAft>
+              <a:buNone/>
+            </a:pPr>
+            <a:r>
+              <a:t/>
+            </a:r>
+            <a:endParaRPr/>
+          </a:p>
+        </p:txBody>
+      </p:sp>
+    </p:spTree>
+  </p:cSld>
+  <p:clrMapOvr>
+    <a:masterClrMapping/>
+  </p:clrMapOvr>
+</p:sld>
+</file>
+
+<file path=ppt/slides/slide17.xml><?xml version="1.0" encoding="utf-8"?>
+<p:sld xmlns:a="http://schemas.openxmlformats.org/drawingml/2006/main" xmlns:r="http://schemas.openxmlformats.org/officeDocument/2006/relationships" xmlns:mc="http://schemas.openxmlformats.org/markup-compatibility/2006" xmlns:mv="urn:schemas-microsoft-com:mac:vml" xmlns:p="http://schemas.openxmlformats.org/presentationml/2006/main" xmlns:c="http://schemas.openxmlformats.org/drawingml/2006/chart" xmlns:dgm="http://schemas.openxmlformats.org/drawingml/2006/diagram" xmlns:o="urn:schemas-microsoft-com:office:office" xmlns:v="urn:schemas-microsoft-com:vml" xmlns:pvml="urn:schemas-microsoft-com:office:powerpoint" xmlns:com="http://schemas.openxmlformats.org/drawingml/2006/compatibility" xmlns:p14="http://schemas.microsoft.com/office/powerpoint/2010/main" xmlns:p15="http://schemas.microsoft.com/office/powerpoint/2012/main">
+  <p:cSld>
+    <p:spTree>
+      <p:nvGrpSpPr>
+        <p:cNvPr id="229" name="Shape 229"/>
+        <p:cNvGrpSpPr/>
+        <p:nvPr/>
+      </p:nvGrpSpPr>
+      <p:grpSpPr>
+        <a:xfrm>
+          <a:off x="0" y="0"/>
+          <a:ext cx="0" cy="0"/>
+          <a:chOff x="0" y="0"/>
+          <a:chExt cx="0" cy="0"/>
+        </a:xfrm>
+      </p:grpSpPr>
+      <p:sp>
+        <p:nvSpPr>
+          <p:cNvPr id="230" name="Google Shape;230;p29"/>
+          <p:cNvSpPr txBox="1"/>
+          <p:nvPr>
+            <p:ph type="title"/>
+          </p:nvPr>
+        </p:nvSpPr>
+        <p:spPr>
+          <a:xfrm>
+            <a:off x="819150" y="845600"/>
+            <a:ext cx="7505700" cy="538200"/>
+          </a:xfrm>
+          <a:prstGeom prst="rect">
+            <a:avLst/>
+          </a:prstGeom>
+        </p:spPr>
+        <p:txBody>
+          <a:bodyPr anchorCtr="0" anchor="t" bIns="91425" lIns="91425" spcFirstLastPara="1" rIns="91425" wrap="square" tIns="91425">
+            <a:noAutofit/>
+          </a:bodyPr>
+          <a:lstStyle/>
+          <a:p>
+            <a:pPr indent="0" lvl="0" marL="0" rtl="0" algn="l">
+              <a:spcBef>
+                <a:spcPts val="0"/>
+              </a:spcBef>
+              <a:spcAft>
+                <a:spcPts val="0"/>
+              </a:spcAft>
+              <a:buNone/>
+            </a:pPr>
+            <a:r>
+              <a:rPr lang="en"/>
+              <a:t>Results</a:t>
+            </a:r>
+            <a:r>
+              <a:rPr lang="en"/>
+              <a:t> </a:t>
+            </a:r>
+            <a:endParaRPr/>
+          </a:p>
+        </p:txBody>
+      </p:sp>
+      <p:sp>
+        <p:nvSpPr>
+          <p:cNvPr id="231" name="Google Shape;231;p29"/>
+          <p:cNvSpPr txBox="1"/>
+          <p:nvPr>
+            <p:ph idx="1" type="body"/>
+          </p:nvPr>
+        </p:nvSpPr>
+        <p:spPr>
+          <a:xfrm>
             <a:off x="819150" y="1494950"/>
             <a:ext cx="4132800" cy="2943900"/>
           </a:xfrm>
@@ -12070,7 +12280,7 @@
       </p:sp>
       <p:pic>
         <p:nvPicPr>
-          <p:cNvPr id="226" name="Google Shape;226;p28"/>
+          <p:cNvPr id="232" name="Google Shape;232;p29"/>
           <p:cNvPicPr preferRelativeResize="0"/>
           <p:nvPr/>
         </p:nvPicPr>
@@ -12098,7 +12308,7 @@
       </p:pic>
       <p:pic>
         <p:nvPicPr>
-          <p:cNvPr id="227" name="Google Shape;227;p28"/>
+          <p:cNvPr id="233" name="Google Shape;233;p29"/>
           <p:cNvPicPr preferRelativeResize="0"/>
           <p:nvPr/>
         </p:nvPicPr>
@@ -12124,150 +12334,6 @@
           </a:ln>
         </p:spPr>
       </p:pic>
-    </p:spTree>
-  </p:cSld>
-  <p:clrMapOvr>
-    <a:masterClrMapping/>
-  </p:clrMapOvr>
-</p:sld>
-</file>
-
-<file path=ppt/slides/slide17.xml><?xml version="1.0" encoding="utf-8"?>
-<p:sld xmlns:a="http://schemas.openxmlformats.org/drawingml/2006/main" xmlns:r="http://schemas.openxmlformats.org/officeDocument/2006/relationships" xmlns:mc="http://schemas.openxmlformats.org/markup-compatibility/2006" xmlns:mv="urn:schemas-microsoft-com:mac:vml" xmlns:p="http://schemas.openxmlformats.org/presentationml/2006/main" xmlns:c="http://schemas.openxmlformats.org/drawingml/2006/chart" xmlns:dgm="http://schemas.openxmlformats.org/drawingml/2006/diagram" xmlns:o="urn:schemas-microsoft-com:office:office" xmlns:v="urn:schemas-microsoft-com:vml" xmlns:pvml="urn:schemas-microsoft-com:office:powerpoint" xmlns:com="http://schemas.openxmlformats.org/drawingml/2006/compatibility" xmlns:p14="http://schemas.microsoft.com/office/powerpoint/2010/main" xmlns:p15="http://schemas.microsoft.com/office/powerpoint/2012/main">
-  <p:cSld>
-    <p:spTree>
-      <p:nvGrpSpPr>
-        <p:cNvPr id="231" name="Shape 231"/>
-        <p:cNvGrpSpPr/>
-        <p:nvPr/>
-      </p:nvGrpSpPr>
-      <p:grpSpPr>
-        <a:xfrm>
-          <a:off x="0" y="0"/>
-          <a:ext cx="0" cy="0"/>
-          <a:chOff x="0" y="0"/>
-          <a:chExt cx="0" cy="0"/>
-        </a:xfrm>
-      </p:grpSpPr>
-      <p:sp>
-        <p:nvSpPr>
-          <p:cNvPr id="232" name="Google Shape;232;p29"/>
-          <p:cNvSpPr txBox="1"/>
-          <p:nvPr>
-            <p:ph type="title"/>
-          </p:nvPr>
-        </p:nvSpPr>
-        <p:spPr>
-          <a:xfrm>
-            <a:off x="819150" y="845600"/>
-            <a:ext cx="7505700" cy="538200"/>
-          </a:xfrm>
-          <a:prstGeom prst="rect">
-            <a:avLst/>
-          </a:prstGeom>
-        </p:spPr>
-        <p:txBody>
-          <a:bodyPr anchorCtr="0" anchor="t" bIns="91425" lIns="91425" spcFirstLastPara="1" rIns="91425" wrap="square" tIns="91425">
-            <a:noAutofit/>
-          </a:bodyPr>
-          <a:lstStyle/>
-          <a:p>
-            <a:pPr indent="0" lvl="0" marL="0" rtl="0" algn="l">
-              <a:spcBef>
-                <a:spcPts val="0"/>
-              </a:spcBef>
-              <a:spcAft>
-                <a:spcPts val="0"/>
-              </a:spcAft>
-              <a:buNone/>
-            </a:pPr>
-            <a:r>
-              <a:rPr lang="en"/>
-              <a:t>Summary</a:t>
-            </a:r>
-            <a:r>
-              <a:rPr lang="en"/>
-              <a:t> </a:t>
-            </a:r>
-            <a:endParaRPr/>
-          </a:p>
-        </p:txBody>
-      </p:sp>
-      <p:sp>
-        <p:nvSpPr>
-          <p:cNvPr id="233" name="Google Shape;233;p29"/>
-          <p:cNvSpPr txBox="1"/>
-          <p:nvPr>
-            <p:ph idx="1" type="body"/>
-          </p:nvPr>
-        </p:nvSpPr>
-        <p:spPr>
-          <a:xfrm>
-            <a:off x="819150" y="1494950"/>
-            <a:ext cx="7505700" cy="2943900"/>
-          </a:xfrm>
-          <a:prstGeom prst="rect">
-            <a:avLst/>
-          </a:prstGeom>
-        </p:spPr>
-        <p:txBody>
-          <a:bodyPr anchorCtr="0" anchor="ctr" bIns="91425" lIns="91425" spcFirstLastPara="1" rIns="91425" wrap="square" tIns="91425">
-            <a:noAutofit/>
-          </a:bodyPr>
-          <a:lstStyle/>
-          <a:p>
-            <a:pPr indent="-381000" lvl="0" marL="457200" rtl="0" algn="l">
-              <a:spcBef>
-                <a:spcPts val="0"/>
-              </a:spcBef>
-              <a:spcAft>
-                <a:spcPts val="0"/>
-              </a:spcAft>
-              <a:buSzPts val="2400"/>
-              <a:buChar char="●"/>
-            </a:pPr>
-            <a:r>
-              <a:rPr lang="en" sz="2400"/>
-              <a:t>Categorical values are hard</a:t>
-            </a:r>
-            <a:endParaRPr sz="2400"/>
-          </a:p>
-          <a:p>
-            <a:pPr indent="-381000" lvl="0" marL="457200" rtl="0" algn="l">
-              <a:spcBef>
-                <a:spcPts val="0"/>
-              </a:spcBef>
-              <a:spcAft>
-                <a:spcPts val="0"/>
-              </a:spcAft>
-              <a:buSzPts val="2400"/>
-              <a:buChar char="●"/>
-            </a:pPr>
-            <a:r>
-              <a:rPr lang="en" sz="2400"/>
-              <a:t>Health and BMI aren’t as easily explained as we might think. </a:t>
-            </a:r>
-            <a:endParaRPr sz="2400"/>
-          </a:p>
-          <a:p>
-            <a:pPr indent="-381000" lvl="0" marL="457200" rtl="0" algn="l">
-              <a:spcBef>
-                <a:spcPts val="0"/>
-              </a:spcBef>
-              <a:spcAft>
-                <a:spcPts val="0"/>
-              </a:spcAft>
-              <a:buSzPts val="2400"/>
-              <a:buChar char="●"/>
-            </a:pPr>
-            <a:r>
-              <a:rPr lang="en" sz="2400"/>
-              <a:t>There’s a lot out there yet to learn in ML (no surprise)</a:t>
-            </a:r>
-            <a:endParaRPr sz="2400"/>
-          </a:p>
-        </p:txBody>
-      </p:sp>
     </p:spTree>
   </p:cSld>
   <p:clrMapOvr>
@@ -12304,7 +12370,7 @@
         <p:spPr>
           <a:xfrm>
             <a:off x="819150" y="845600"/>
-            <a:ext cx="7505700" cy="954600"/>
+            <a:ext cx="7505700" cy="538200"/>
           </a:xfrm>
           <a:prstGeom prst="rect">
             <a:avLst/>
@@ -12327,7 +12393,11 @@
             </a:pPr>
             <a:r>
               <a:rPr lang="en"/>
-              <a:t>References</a:t>
+              <a:t>Summary</a:t>
+            </a:r>
+            <a:r>
+              <a:rPr lang="en"/>
+              <a:t> </a:t>
             </a:r>
             <a:endParaRPr/>
           </a:p>
@@ -12336,6 +12406,146 @@
       <p:sp>
         <p:nvSpPr>
           <p:cNvPr id="239" name="Google Shape;239;p30"/>
+          <p:cNvSpPr txBox="1"/>
+          <p:nvPr>
+            <p:ph idx="1" type="body"/>
+          </p:nvPr>
+        </p:nvSpPr>
+        <p:spPr>
+          <a:xfrm>
+            <a:off x="819150" y="1494950"/>
+            <a:ext cx="7505700" cy="2943900"/>
+          </a:xfrm>
+          <a:prstGeom prst="rect">
+            <a:avLst/>
+          </a:prstGeom>
+        </p:spPr>
+        <p:txBody>
+          <a:bodyPr anchorCtr="0" anchor="ctr" bIns="91425" lIns="91425" spcFirstLastPara="1" rIns="91425" wrap="square" tIns="91425">
+            <a:noAutofit/>
+          </a:bodyPr>
+          <a:lstStyle/>
+          <a:p>
+            <a:pPr indent="-381000" lvl="0" marL="457200" rtl="0" algn="l">
+              <a:spcBef>
+                <a:spcPts val="0"/>
+              </a:spcBef>
+              <a:spcAft>
+                <a:spcPts val="0"/>
+              </a:spcAft>
+              <a:buSzPts val="2400"/>
+              <a:buChar char="●"/>
+            </a:pPr>
+            <a:r>
+              <a:rPr lang="en" sz="2400"/>
+              <a:t>Categorical values are hard</a:t>
+            </a:r>
+            <a:endParaRPr sz="2400"/>
+          </a:p>
+          <a:p>
+            <a:pPr indent="-381000" lvl="0" marL="457200" rtl="0" algn="l">
+              <a:spcBef>
+                <a:spcPts val="0"/>
+              </a:spcBef>
+              <a:spcAft>
+                <a:spcPts val="0"/>
+              </a:spcAft>
+              <a:buSzPts val="2400"/>
+              <a:buChar char="●"/>
+            </a:pPr>
+            <a:r>
+              <a:rPr lang="en" sz="2400"/>
+              <a:t>Health and BMI aren’t as easily explained as we might think. </a:t>
+            </a:r>
+            <a:endParaRPr sz="2400"/>
+          </a:p>
+          <a:p>
+            <a:pPr indent="-381000" lvl="0" marL="457200" rtl="0" algn="l">
+              <a:spcBef>
+                <a:spcPts val="0"/>
+              </a:spcBef>
+              <a:spcAft>
+                <a:spcPts val="0"/>
+              </a:spcAft>
+              <a:buSzPts val="2400"/>
+              <a:buChar char="●"/>
+            </a:pPr>
+            <a:r>
+              <a:rPr lang="en" sz="2400"/>
+              <a:t>There’s a lot out there yet to learn in ML (no surprise)</a:t>
+            </a:r>
+            <a:endParaRPr sz="2400"/>
+          </a:p>
+        </p:txBody>
+      </p:sp>
+    </p:spTree>
+  </p:cSld>
+  <p:clrMapOvr>
+    <a:masterClrMapping/>
+  </p:clrMapOvr>
+</p:sld>
+</file>
+
+<file path=ppt/slides/slide19.xml><?xml version="1.0" encoding="utf-8"?>
+<p:sld xmlns:a="http://schemas.openxmlformats.org/drawingml/2006/main" xmlns:r="http://schemas.openxmlformats.org/officeDocument/2006/relationships" xmlns:mc="http://schemas.openxmlformats.org/markup-compatibility/2006" xmlns:mv="urn:schemas-microsoft-com:mac:vml" xmlns:p="http://schemas.openxmlformats.org/presentationml/2006/main" xmlns:c="http://schemas.openxmlformats.org/drawingml/2006/chart" xmlns:dgm="http://schemas.openxmlformats.org/drawingml/2006/diagram" xmlns:o="urn:schemas-microsoft-com:office:office" xmlns:v="urn:schemas-microsoft-com:vml" xmlns:pvml="urn:schemas-microsoft-com:office:powerpoint" xmlns:com="http://schemas.openxmlformats.org/drawingml/2006/compatibility" xmlns:p14="http://schemas.microsoft.com/office/powerpoint/2010/main" xmlns:p15="http://schemas.microsoft.com/office/powerpoint/2012/main">
+  <p:cSld>
+    <p:spTree>
+      <p:nvGrpSpPr>
+        <p:cNvPr id="243" name="Shape 243"/>
+        <p:cNvGrpSpPr/>
+        <p:nvPr/>
+      </p:nvGrpSpPr>
+      <p:grpSpPr>
+        <a:xfrm>
+          <a:off x="0" y="0"/>
+          <a:ext cx="0" cy="0"/>
+          <a:chOff x="0" y="0"/>
+          <a:chExt cx="0" cy="0"/>
+        </a:xfrm>
+      </p:grpSpPr>
+      <p:sp>
+        <p:nvSpPr>
+          <p:cNvPr id="244" name="Google Shape;244;p31"/>
+          <p:cNvSpPr txBox="1"/>
+          <p:nvPr>
+            <p:ph type="title"/>
+          </p:nvPr>
+        </p:nvSpPr>
+        <p:spPr>
+          <a:xfrm>
+            <a:off x="819150" y="845600"/>
+            <a:ext cx="7505700" cy="954600"/>
+          </a:xfrm>
+          <a:prstGeom prst="rect">
+            <a:avLst/>
+          </a:prstGeom>
+        </p:spPr>
+        <p:txBody>
+          <a:bodyPr anchorCtr="0" anchor="t" bIns="91425" lIns="91425" spcFirstLastPara="1" rIns="91425" wrap="square" tIns="91425">
+            <a:noAutofit/>
+          </a:bodyPr>
+          <a:lstStyle/>
+          <a:p>
+            <a:pPr indent="0" lvl="0" marL="0" rtl="0" algn="l">
+              <a:spcBef>
+                <a:spcPts val="0"/>
+              </a:spcBef>
+              <a:spcAft>
+                <a:spcPts val="0"/>
+              </a:spcAft>
+              <a:buNone/>
+            </a:pPr>
+            <a:r>
+              <a:rPr lang="en"/>
+              <a:t>References</a:t>
+            </a:r>
+            <a:endParaRPr/>
+          </a:p>
+        </p:txBody>
+      </p:sp>
+      <p:sp>
+        <p:nvSpPr>
+          <p:cNvPr id="245" name="Google Shape;245;p31"/>
           <p:cNvSpPr txBox="1"/>
           <p:nvPr>
             <p:ph idx="1" type="body"/>
@@ -14525,8 +14735,8 @@
         </p:blipFill>
         <p:spPr>
           <a:xfrm>
-            <a:off x="4514336" y="1560595"/>
-            <a:ext cx="3743325" cy="2676525"/>
+            <a:off x="478050" y="1736148"/>
+            <a:ext cx="3743325" cy="2491660"/>
           </a:xfrm>
           <a:prstGeom prst="rect">
             <a:avLst/>
@@ -14553,8 +14763,8 @@
         </p:blipFill>
         <p:spPr>
           <a:xfrm>
-            <a:off x="478050" y="1736148"/>
-            <a:ext cx="3743325" cy="2491660"/>
+            <a:off x="4495800" y="1736150"/>
+            <a:ext cx="3743325" cy="2479959"/>
           </a:xfrm>
           <a:prstGeom prst="rect">
             <a:avLst/>
@@ -14574,6 +14784,285 @@
 </file>
 
 <file path=ppt/theme/theme1.xml><?xml version="1.0" encoding="utf-8"?>
+<a:theme xmlns:a="http://schemas.openxmlformats.org/drawingml/2006/main" xmlns:r="http://schemas.openxmlformats.org/officeDocument/2006/relationships">
+  <a:themeElements>
+    <a:clrScheme name="Default">
+      <a:dk1>
+        <a:srgbClr val="000000"/>
+      </a:dk1>
+      <a:lt1>
+        <a:srgbClr val="FFFFFF"/>
+      </a:lt1>
+      <a:dk2>
+        <a:srgbClr val="158158"/>
+      </a:dk2>
+      <a:lt2>
+        <a:srgbClr val="F3F3F3"/>
+      </a:lt2>
+      <a:accent1>
+        <a:srgbClr val="058DC7"/>
+      </a:accent1>
+      <a:accent2>
+        <a:srgbClr val="50B432"/>
+      </a:accent2>
+      <a:accent3>
+        <a:srgbClr val="ED561B"/>
+      </a:accent3>
+      <a:accent4>
+        <a:srgbClr val="EDEF00"/>
+      </a:accent4>
+      <a:accent5>
+        <a:srgbClr val="24CBE5"/>
+      </a:accent5>
+      <a:accent6>
+        <a:srgbClr val="64E572"/>
+      </a:accent6>
+      <a:hlink>
+        <a:srgbClr val="2200CC"/>
+      </a:hlink>
+      <a:folHlink>
+        <a:srgbClr val="551A8B"/>
+      </a:folHlink>
+    </a:clrScheme>
+    <a:fontScheme name="Office">
+      <a:majorFont>
+        <a:latin typeface="Arial"/>
+        <a:ea typeface=""/>
+        <a:cs typeface=""/>
+        <a:font script="Jpan" typeface="ＭＳ Ｐゴシック"/>
+        <a:font script="Hang" typeface="맑은 고딕"/>
+        <a:font script="Hans" typeface="宋体"/>
+        <a:font script="Hant" typeface="新細明體"/>
+        <a:font script="Arab" typeface="Times New Roman"/>
+        <a:font script="Hebr" typeface="Times New Roman"/>
+        <a:font script="Thai" typeface="Angsana New"/>
+        <a:font script="Ethi" typeface="Nyala"/>
+        <a:font script="Beng" typeface="Vrinda"/>
+        <a:font script="Gujr" typeface="Shruti"/>
+        <a:font script="Khmr" typeface="MoolBoran"/>
+        <a:font script="Knda" typeface="Tunga"/>
+        <a:font script="Guru" typeface="Raavi"/>
+        <a:font script="Cans" typeface="Euphemia"/>
+        <a:font script="Cher" typeface="Plantagenet Cherokee"/>
+        <a:font script="Yiii" typeface="Microsoft Yi Baiti"/>
+        <a:font script="Tibt" typeface="Microsoft Himalaya"/>
+        <a:font script="Thaa" typeface="MV Boli"/>
+        <a:font script="Deva" typeface="Mangal"/>
+        <a:font script="Telu" typeface="Gautami"/>
+        <a:font script="Taml" typeface="Latha"/>
+        <a:font script="Syrc" typeface="Estrangelo Edessa"/>
+        <a:font script="Orya" typeface="Kalinga"/>
+        <a:font script="Mlym" typeface="Kartika"/>
+        <a:font script="Laoo" typeface="DokChampa"/>
+        <a:font script="Sinh" typeface="Iskoola Pota"/>
+        <a:font script="Mong" typeface="Mongolian Baiti"/>
+        <a:font script="Viet" typeface="Times New Roman"/>
+        <a:font script="Uigh" typeface="Microsoft Uighur"/>
+        <a:font script="Geor" typeface="Sylfaen"/>
+      </a:majorFont>
+      <a:minorFont>
+        <a:latin typeface="Arial"/>
+        <a:ea typeface=""/>
+        <a:cs typeface=""/>
+        <a:font script="Jpan" typeface="ＭＳ Ｐゴシック"/>
+        <a:font script="Hang" typeface="맑은 고딕"/>
+        <a:font script="Hans" typeface="宋体"/>
+        <a:font script="Hant" typeface="新細明體"/>
+        <a:font script="Arab" typeface="Arial"/>
+        <a:font script="Hebr" typeface="Arial"/>
+        <a:font script="Thai" typeface="Cordia New"/>
+        <a:font script="Ethi" typeface="Nyala"/>
+        <a:font script="Beng" typeface="Vrinda"/>
+        <a:font script="Gujr" typeface="Shruti"/>
+        <a:font script="Khmr" typeface="DaunPenh"/>
+        <a:font script="Knda" typeface="Tunga"/>
+        <a:font script="Guru" typeface="Raavi"/>
+        <a:font script="Cans" typeface="Euphemia"/>
+        <a:font script="Cher" typeface="Plantagenet Cherokee"/>
+        <a:font script="Yiii" typeface="Microsoft Yi Baiti"/>
+        <a:font script="Tibt" typeface="Microsoft Himalaya"/>
+        <a:font script="Thaa" typeface="MV Boli"/>
+        <a:font script="Deva" typeface="Mangal"/>
+        <a:font script="Telu" typeface="Gautami"/>
+        <a:font script="Taml" typeface="Latha"/>
+        <a:font script="Syrc" typeface="Estrangelo Edessa"/>
+        <a:font script="Orya" typeface="Kalinga"/>
+        <a:font script="Mlym" typeface="Kartika"/>
+        <a:font script="Laoo" typeface="DokChampa"/>
+        <a:font script="Sinh" typeface="Iskoola Pota"/>
+        <a:font script="Mong" typeface="Mongolian Baiti"/>
+        <a:font script="Viet" typeface="Arial"/>
+        <a:font script="Uigh" typeface="Microsoft Uighur"/>
+        <a:font script="Geor" typeface="Sylfaen"/>
+      </a:minorFont>
+    </a:fontScheme>
+    <a:fmtScheme name="Office">
+      <a:fillStyleLst>
+        <a:solidFill>
+          <a:schemeClr val="phClr"/>
+        </a:solidFill>
+        <a:gradFill rotWithShape="1">
+          <a:gsLst>
+            <a:gs pos="0">
+              <a:schemeClr val="phClr">
+                <a:tint val="50000"/>
+                <a:satMod val="300000"/>
+              </a:schemeClr>
+            </a:gs>
+            <a:gs pos="35000">
+              <a:schemeClr val="phClr">
+                <a:tint val="37000"/>
+                <a:satMod val="300000"/>
+              </a:schemeClr>
+            </a:gs>
+            <a:gs pos="100000">
+              <a:schemeClr val="phClr">
+                <a:tint val="15000"/>
+                <a:satMod val="350000"/>
+              </a:schemeClr>
+            </a:gs>
+          </a:gsLst>
+          <a:lin ang="16200000" scaled="1"/>
+        </a:gradFill>
+        <a:gradFill rotWithShape="1">
+          <a:gsLst>
+            <a:gs pos="0">
+              <a:schemeClr val="phClr">
+                <a:tint val="100000"/>
+                <a:shade val="100000"/>
+                <a:satMod val="130000"/>
+              </a:schemeClr>
+            </a:gs>
+            <a:gs pos="100000">
+              <a:schemeClr val="phClr">
+                <a:tint val="50000"/>
+                <a:shade val="100000"/>
+                <a:satMod val="350000"/>
+              </a:schemeClr>
+            </a:gs>
+          </a:gsLst>
+          <a:lin ang="16200000" scaled="0"/>
+        </a:gradFill>
+      </a:fillStyleLst>
+      <a:lnStyleLst>
+        <a:ln w="9525" cap="flat" cmpd="sng" algn="ctr">
+          <a:solidFill>
+            <a:schemeClr val="phClr">
+              <a:shade val="95000"/>
+              <a:satMod val="105000"/>
+            </a:schemeClr>
+          </a:solidFill>
+          <a:prstDash val="solid"/>
+        </a:ln>
+        <a:ln w="25400" cap="flat" cmpd="sng" algn="ctr">
+          <a:solidFill>
+            <a:schemeClr val="phClr"/>
+          </a:solidFill>
+          <a:prstDash val="solid"/>
+        </a:ln>
+        <a:ln w="38100" cap="flat" cmpd="sng" algn="ctr">
+          <a:solidFill>
+            <a:schemeClr val="phClr"/>
+          </a:solidFill>
+          <a:prstDash val="solid"/>
+        </a:ln>
+      </a:lnStyleLst>
+      <a:effectStyleLst>
+        <a:effectStyle>
+          <a:effectLst>
+            <a:outerShdw blurRad="40000" dist="20000" dir="5400000" rotWithShape="0">
+              <a:srgbClr val="000000">
+                <a:alpha val="38000"/>
+              </a:srgbClr>
+            </a:outerShdw>
+          </a:effectLst>
+        </a:effectStyle>
+        <a:effectStyle>
+          <a:effectLst>
+            <a:outerShdw blurRad="40000" dist="23000" dir="5400000" rotWithShape="0">
+              <a:srgbClr val="000000">
+                <a:alpha val="35000"/>
+              </a:srgbClr>
+            </a:outerShdw>
+          </a:effectLst>
+        </a:effectStyle>
+        <a:effectStyle>
+          <a:effectLst>
+            <a:outerShdw blurRad="40000" dist="23000" dir="5400000" rotWithShape="0">
+              <a:srgbClr val="000000">
+                <a:alpha val="35000"/>
+              </a:srgbClr>
+            </a:outerShdw>
+          </a:effectLst>
+          <a:scene3d>
+            <a:camera prst="orthographicFront">
+              <a:rot lat="0" lon="0" rev="0"/>
+            </a:camera>
+            <a:lightRig rig="threePt" dir="t">
+              <a:rot lat="0" lon="0" rev="1200000"/>
+            </a:lightRig>
+          </a:scene3d>
+          <a:sp3d>
+            <a:bevelT w="63500" h="25400"/>
+          </a:sp3d>
+        </a:effectStyle>
+      </a:effectStyleLst>
+      <a:bgFillStyleLst>
+        <a:solidFill>
+          <a:schemeClr val="phClr"/>
+        </a:solidFill>
+        <a:gradFill rotWithShape="1">
+          <a:gsLst>
+            <a:gs pos="0">
+              <a:schemeClr val="phClr">
+                <a:tint val="40000"/>
+                <a:satMod val="350000"/>
+              </a:schemeClr>
+            </a:gs>
+            <a:gs pos="40000">
+              <a:schemeClr val="phClr">
+                <a:tint val="45000"/>
+                <a:shade val="99000"/>
+                <a:satMod val="350000"/>
+              </a:schemeClr>
+            </a:gs>
+            <a:gs pos="100000">
+              <a:schemeClr val="phClr">
+                <a:shade val="20000"/>
+                <a:satMod val="255000"/>
+              </a:schemeClr>
+            </a:gs>
+          </a:gsLst>
+          <a:path path="circle">
+            <a:fillToRect l="50000" t="-80000" r="50000" b="180000"/>
+          </a:path>
+        </a:gradFill>
+        <a:gradFill rotWithShape="1">
+          <a:gsLst>
+            <a:gs pos="0">
+              <a:schemeClr val="phClr">
+                <a:tint val="80000"/>
+                <a:satMod val="300000"/>
+              </a:schemeClr>
+            </a:gs>
+            <a:gs pos="100000">
+              <a:schemeClr val="phClr">
+                <a:shade val="30000"/>
+                <a:satMod val="200000"/>
+              </a:schemeClr>
+            </a:gs>
+          </a:gsLst>
+          <a:path path="circle">
+            <a:fillToRect l="50000" t="50000" r="50000" b="50000"/>
+          </a:path>
+        </a:gradFill>
+      </a:bgFillStyleLst>
+    </a:fmtScheme>
+  </a:themeElements>
+</a:theme>
+</file>
+
+<file path=ppt/theme/theme2.xml><?xml version="1.0" encoding="utf-8"?>
 <a:theme xmlns:a="http://schemas.openxmlformats.org/drawingml/2006/main" xmlns:r="http://schemas.openxmlformats.org/officeDocument/2006/relationships" name="Shift">
   <a:themeElements>
     <a:clrScheme name="Shift">
@@ -14850,283 +15339,4 @@
     </a:fmtScheme>
   </a:themeElements>
 </a:theme>
-</file>
-
-<file path=ppt/theme/theme2.xml><?xml version="1.0" encoding="utf-8"?>
-<a:theme xmlns:a="http://schemas.openxmlformats.org/drawingml/2006/main" xmlns:r="http://schemas.openxmlformats.org/officeDocument/2006/relationships">
-  <a:themeElements>
-    <a:clrScheme name="Default">
-      <a:dk1>
-        <a:srgbClr val="000000"/>
-      </a:dk1>
-      <a:lt1>
-        <a:srgbClr val="FFFFFF"/>
-      </a:lt1>
-      <a:dk2>
-        <a:srgbClr val="158158"/>
-      </a:dk2>
-      <a:lt2>
-        <a:srgbClr val="F3F3F3"/>
-      </a:lt2>
-      <a:accent1>
-        <a:srgbClr val="058DC7"/>
-      </a:accent1>
-      <a:accent2>
-        <a:srgbClr val="50B432"/>
-      </a:accent2>
-      <a:accent3>
-        <a:srgbClr val="ED561B"/>
-      </a:accent3>
-      <a:accent4>
-        <a:srgbClr val="EDEF00"/>
-      </a:accent4>
-      <a:accent5>
-        <a:srgbClr val="24CBE5"/>
-      </a:accent5>
-      <a:accent6>
-        <a:srgbClr val="64E572"/>
-      </a:accent6>
-      <a:hlink>
-        <a:srgbClr val="2200CC"/>
-      </a:hlink>
-      <a:folHlink>
-        <a:srgbClr val="551A8B"/>
-      </a:folHlink>
-    </a:clrScheme>
-    <a:fontScheme name="Office">
-      <a:majorFont>
-        <a:latin typeface="Arial"/>
-        <a:ea typeface=""/>
-        <a:cs typeface=""/>
-        <a:font script="Jpan" typeface="ＭＳ Ｐゴシック"/>
-        <a:font script="Hang" typeface="맑은 고딕"/>
-        <a:font script="Hans" typeface="宋体"/>
-        <a:font script="Hant" typeface="新細明體"/>
-        <a:font script="Arab" typeface="Times New Roman"/>
-        <a:font script="Hebr" typeface="Times New Roman"/>
-        <a:font script="Thai" typeface="Angsana New"/>
-        <a:font script="Ethi" typeface="Nyala"/>
-        <a:font script="Beng" typeface="Vrinda"/>
-        <a:font script="Gujr" typeface="Shruti"/>
-        <a:font script="Khmr" typeface="MoolBoran"/>
-        <a:font script="Knda" typeface="Tunga"/>
-        <a:font script="Guru" typeface="Raavi"/>
-        <a:font script="Cans" typeface="Euphemia"/>
-        <a:font script="Cher" typeface="Plantagenet Cherokee"/>
-        <a:font script="Yiii" typeface="Microsoft Yi Baiti"/>
-        <a:font script="Tibt" typeface="Microsoft Himalaya"/>
-        <a:font script="Thaa" typeface="MV Boli"/>
-        <a:font script="Deva" typeface="Mangal"/>
-        <a:font script="Telu" typeface="Gautami"/>
-        <a:font script="Taml" typeface="Latha"/>
-        <a:font script="Syrc" typeface="Estrangelo Edessa"/>
-        <a:font script="Orya" typeface="Kalinga"/>
-        <a:font script="Mlym" typeface="Kartika"/>
-        <a:font script="Laoo" typeface="DokChampa"/>
-        <a:font script="Sinh" typeface="Iskoola Pota"/>
-        <a:font script="Mong" typeface="Mongolian Baiti"/>
-        <a:font script="Viet" typeface="Times New Roman"/>
-        <a:font script="Uigh" typeface="Microsoft Uighur"/>
-        <a:font script="Geor" typeface="Sylfaen"/>
-      </a:majorFont>
-      <a:minorFont>
-        <a:latin typeface="Arial"/>
-        <a:ea typeface=""/>
-        <a:cs typeface=""/>
-        <a:font script="Jpan" typeface="ＭＳ Ｐゴシック"/>
-        <a:font script="Hang" typeface="맑은 고딕"/>
-        <a:font script="Hans" typeface="宋体"/>
-        <a:font script="Hant" typeface="新細明體"/>
-        <a:font script="Arab" typeface="Arial"/>
-        <a:font script="Hebr" typeface="Arial"/>
-        <a:font script="Thai" typeface="Cordia New"/>
-        <a:font script="Ethi" typeface="Nyala"/>
-        <a:font script="Beng" typeface="Vrinda"/>
-        <a:font script="Gujr" typeface="Shruti"/>
-        <a:font script="Khmr" typeface="DaunPenh"/>
-        <a:font script="Knda" typeface="Tunga"/>
-        <a:font script="Guru" typeface="Raavi"/>
-        <a:font script="Cans" typeface="Euphemia"/>
-        <a:font script="Cher" typeface="Plantagenet Cherokee"/>
-        <a:font script="Yiii" typeface="Microsoft Yi Baiti"/>
-        <a:font script="Tibt" typeface="Microsoft Himalaya"/>
-        <a:font script="Thaa" typeface="MV Boli"/>
-        <a:font script="Deva" typeface="Mangal"/>
-        <a:font script="Telu" typeface="Gautami"/>
-        <a:font script="Taml" typeface="Latha"/>
-        <a:font script="Syrc" typeface="Estrangelo Edessa"/>
-        <a:font script="Orya" typeface="Kalinga"/>
-        <a:font script="Mlym" typeface="Kartika"/>
-        <a:font script="Laoo" typeface="DokChampa"/>
-        <a:font script="Sinh" typeface="Iskoola Pota"/>
-        <a:font script="Mong" typeface="Mongolian Baiti"/>
-        <a:font script="Viet" typeface="Arial"/>
-        <a:font script="Uigh" typeface="Microsoft Uighur"/>
-        <a:font script="Geor" typeface="Sylfaen"/>
-      </a:minorFont>
-    </a:fontScheme>
-    <a:fmtScheme name="Office">
-      <a:fillStyleLst>
-        <a:solidFill>
-          <a:schemeClr val="phClr"/>
-        </a:solidFill>
-        <a:gradFill rotWithShape="1">
-          <a:gsLst>
-            <a:gs pos="0">
-              <a:schemeClr val="phClr">
-                <a:tint val="50000"/>
-                <a:satMod val="300000"/>
-              </a:schemeClr>
-            </a:gs>
-            <a:gs pos="35000">
-              <a:schemeClr val="phClr">
-                <a:tint val="37000"/>
-                <a:satMod val="300000"/>
-              </a:schemeClr>
-            </a:gs>
-            <a:gs pos="100000">
-              <a:schemeClr val="phClr">
-                <a:tint val="15000"/>
-                <a:satMod val="350000"/>
-              </a:schemeClr>
-            </a:gs>
-          </a:gsLst>
-          <a:lin ang="16200000" scaled="1"/>
-        </a:gradFill>
-        <a:gradFill rotWithShape="1">
-          <a:gsLst>
-            <a:gs pos="0">
-              <a:schemeClr val="phClr">
-                <a:tint val="100000"/>
-                <a:shade val="100000"/>
-                <a:satMod val="130000"/>
-              </a:schemeClr>
-            </a:gs>
-            <a:gs pos="100000">
-              <a:schemeClr val="phClr">
-                <a:tint val="50000"/>
-                <a:shade val="100000"/>
-                <a:satMod val="350000"/>
-              </a:schemeClr>
-            </a:gs>
-          </a:gsLst>
-          <a:lin ang="16200000" scaled="0"/>
-        </a:gradFill>
-      </a:fillStyleLst>
-      <a:lnStyleLst>
-        <a:ln w="9525" cap="flat" cmpd="sng" algn="ctr">
-          <a:solidFill>
-            <a:schemeClr val="phClr">
-              <a:shade val="95000"/>
-              <a:satMod val="105000"/>
-            </a:schemeClr>
-          </a:solidFill>
-          <a:prstDash val="solid"/>
-        </a:ln>
-        <a:ln w="25400" cap="flat" cmpd="sng" algn="ctr">
-          <a:solidFill>
-            <a:schemeClr val="phClr"/>
-          </a:solidFill>
-          <a:prstDash val="solid"/>
-        </a:ln>
-        <a:ln w="38100" cap="flat" cmpd="sng" algn="ctr">
-          <a:solidFill>
-            <a:schemeClr val="phClr"/>
-          </a:solidFill>
-          <a:prstDash val="solid"/>
-        </a:ln>
-      </a:lnStyleLst>
-      <a:effectStyleLst>
-        <a:effectStyle>
-          <a:effectLst>
-            <a:outerShdw blurRad="40000" dist="20000" dir="5400000" rotWithShape="0">
-              <a:srgbClr val="000000">
-                <a:alpha val="38000"/>
-              </a:srgbClr>
-            </a:outerShdw>
-          </a:effectLst>
-        </a:effectStyle>
-        <a:effectStyle>
-          <a:effectLst>
-            <a:outerShdw blurRad="40000" dist="23000" dir="5400000" rotWithShape="0">
-              <a:srgbClr val="000000">
-                <a:alpha val="35000"/>
-              </a:srgbClr>
-            </a:outerShdw>
-          </a:effectLst>
-        </a:effectStyle>
-        <a:effectStyle>
-          <a:effectLst>
-            <a:outerShdw blurRad="40000" dist="23000" dir="5400000" rotWithShape="0">
-              <a:srgbClr val="000000">
-                <a:alpha val="35000"/>
-              </a:srgbClr>
-            </a:outerShdw>
-          </a:effectLst>
-          <a:scene3d>
-            <a:camera prst="orthographicFront">
-              <a:rot lat="0" lon="0" rev="0"/>
-            </a:camera>
-            <a:lightRig rig="threePt" dir="t">
-              <a:rot lat="0" lon="0" rev="1200000"/>
-            </a:lightRig>
-          </a:scene3d>
-          <a:sp3d>
-            <a:bevelT w="63500" h="25400"/>
-          </a:sp3d>
-        </a:effectStyle>
-      </a:effectStyleLst>
-      <a:bgFillStyleLst>
-        <a:solidFill>
-          <a:schemeClr val="phClr"/>
-        </a:solidFill>
-        <a:gradFill rotWithShape="1">
-          <a:gsLst>
-            <a:gs pos="0">
-              <a:schemeClr val="phClr">
-                <a:tint val="40000"/>
-                <a:satMod val="350000"/>
-              </a:schemeClr>
-            </a:gs>
-            <a:gs pos="40000">
-              <a:schemeClr val="phClr">
-                <a:tint val="45000"/>
-                <a:shade val="99000"/>
-                <a:satMod val="350000"/>
-              </a:schemeClr>
-            </a:gs>
-            <a:gs pos="100000">
-              <a:schemeClr val="phClr">
-                <a:shade val="20000"/>
-                <a:satMod val="255000"/>
-              </a:schemeClr>
-            </a:gs>
-          </a:gsLst>
-          <a:path path="circle">
-            <a:fillToRect l="50000" t="-80000" r="50000" b="180000"/>
-          </a:path>
-        </a:gradFill>
-        <a:gradFill rotWithShape="1">
-          <a:gsLst>
-            <a:gs pos="0">
-              <a:schemeClr val="phClr">
-                <a:tint val="80000"/>
-                <a:satMod val="300000"/>
-              </a:schemeClr>
-            </a:gs>
-            <a:gs pos="100000">
-              <a:schemeClr val="phClr">
-                <a:shade val="30000"/>
-                <a:satMod val="200000"/>
-              </a:schemeClr>
-            </a:gs>
-          </a:gsLst>
-          <a:path path="circle">
-            <a:fillToRect l="50000" t="50000" r="50000" b="50000"/>
-          </a:path>
-        </a:gradFill>
-      </a:bgFillStyleLst>
-    </a:fmtScheme>
-  </a:themeElements>
-</a:theme>
 </file>
--- a/deliverables/763 Final Project Presentation.pptx
+++ b/deliverables/763 Final Project Presentation.pptx
@@ -12259,23 +12259,6 @@
             </a:r>
             <a:endParaRPr sz="2400"/>
           </a:p>
-          <a:p>
-            <a:pPr indent="-381000" lvl="0" marL="457200" rtl="0" algn="l">
-              <a:spcBef>
-                <a:spcPts val="0"/>
-              </a:spcBef>
-              <a:spcAft>
-                <a:spcPts val="0"/>
-              </a:spcAft>
-              <a:buSzPts val="2400"/>
-              <a:buChar char="●"/>
-            </a:pPr>
-            <a:r>
-              <a:rPr lang="en" sz="2400"/>
-              <a:t>Choosing the right problem to solve is important</a:t>
-            </a:r>
-            <a:endParaRPr sz="2400"/>
-          </a:p>
         </p:txBody>
       </p:sp>
       <p:pic>
@@ -12472,6 +12455,23 @@
             </a:pPr>
             <a:r>
               <a:rPr lang="en" sz="2400"/>
+              <a:t>Choosing the right problem to solve is important</a:t>
+            </a:r>
+            <a:endParaRPr sz="2400"/>
+          </a:p>
+          <a:p>
+            <a:pPr indent="-381000" lvl="0" marL="457200" rtl="0" algn="l">
+              <a:spcBef>
+                <a:spcPts val="0"/>
+              </a:spcBef>
+              <a:spcAft>
+                <a:spcPts val="0"/>
+              </a:spcAft>
+              <a:buSzPts val="2400"/>
+              <a:buChar char="●"/>
+            </a:pPr>
+            <a:r>
+              <a:rPr lang="en" sz="2400"/>
               <a:t>There’s a lot out there yet to learn in ML (no surprise)</a:t>
             </a:r>
             <a:endParaRPr sz="2400"/>
@@ -13486,7 +13486,7 @@
             </a:pPr>
             <a:r>
               <a:rPr lang="en" sz="2000"/>
-              <a:t>Introduction</a:t>
+              <a:t>Introductions</a:t>
             </a:r>
             <a:endParaRPr sz="2000"/>
           </a:p>
